--- a/reports/Project Status 13.pptx
+++ b/reports/Project Status 13.pptx
@@ -106,7 +106,127 @@
       </a:defRPr>
     </a:lvl9pPr>
   </p:defaultTextStyle>
+  <p:extLst>
+    <p:ext uri="{EFAFB233-063F-42B5-8137-9DF3F51BA10A}">
+      <p15:sldGuideLst xmlns:p15="http://schemas.microsoft.com/office/powerpoint/2012/main"/>
+    </p:ext>
+  </p:extLst>
 </p:presentation>
+</file>
+
+<file path=ppt/revisionInfo.xml><?xml version="1.0" encoding="utf-8"?>
+<p1510:revInfo xmlns:a="http://schemas.openxmlformats.org/drawingml/2006/main" xmlns:r="http://schemas.openxmlformats.org/officeDocument/2006/relationships" xmlns:p1510="http://schemas.microsoft.com/office/powerpoint/2015/10/main">
+  <p1510:revLst>
+    <p1510:client id="{5628BED9-310B-4461-ABA8-0103FBB83016}" v="11" dt="2018-12-19T17:16:37.658"/>
+  </p1510:revLst>
+</p1510:revInfo>
+</file>
+
+<file path=ppt/changesInfos/changesInfo1.xml><?xml version="1.0" encoding="utf-8"?>
+<pc:chgInfo xmlns:a="http://schemas.openxmlformats.org/drawingml/2006/main" xmlns:r="http://schemas.openxmlformats.org/officeDocument/2006/relationships" xmlns:ac="http://schemas.microsoft.com/office/drawing/2013/main/command" xmlns:pc="http://schemas.microsoft.com/office/powerpoint/2013/main/command">
+  <pc:docChgLst>
+    <pc:chgData name="Arunabh Ghosh" userId="7064b204c6fa9c53" providerId="LiveId" clId="{696CAAE6-89B2-4F79-B84A-2BD3E3A932D0}"/>
+    <pc:docChg chg="modSld">
+      <pc:chgData name="Arunabh Ghosh" userId="7064b204c6fa9c53" providerId="LiveId" clId="{696CAAE6-89B2-4F79-B84A-2BD3E3A932D0}" dt="2018-11-04T07:05:26.061" v="6"/>
+      <pc:docMkLst>
+        <pc:docMk/>
+      </pc:docMkLst>
+      <pc:sldChg chg="modSp">
+        <pc:chgData name="Arunabh Ghosh" userId="7064b204c6fa9c53" providerId="LiveId" clId="{696CAAE6-89B2-4F79-B84A-2BD3E3A932D0}" dt="2018-11-04T07:05:26.061" v="6"/>
+        <pc:sldMkLst>
+          <pc:docMk/>
+          <pc:sldMk cId="3369458690" sldId="256"/>
+        </pc:sldMkLst>
+        <pc:graphicFrameChg chg="mod">
+          <ac:chgData name="Arunabh Ghosh" userId="7064b204c6fa9c53" providerId="LiveId" clId="{696CAAE6-89B2-4F79-B84A-2BD3E3A932D0}" dt="2018-11-04T07:02:13.707" v="4"/>
+          <ac:graphicFrameMkLst>
+            <pc:docMk/>
+            <pc:sldMk cId="3369458690" sldId="256"/>
+            <ac:graphicFrameMk id="6" creationId="{0C1D2E1A-D501-415F-9E3C-44321F9C56D8}"/>
+          </ac:graphicFrameMkLst>
+        </pc:graphicFrameChg>
+        <pc:graphicFrameChg chg="mod">
+          <ac:chgData name="Arunabh Ghosh" userId="7064b204c6fa9c53" providerId="LiveId" clId="{696CAAE6-89B2-4F79-B84A-2BD3E3A932D0}" dt="2018-11-04T07:05:26.061" v="6"/>
+          <ac:graphicFrameMkLst>
+            <pc:docMk/>
+            <pc:sldMk cId="3369458690" sldId="256"/>
+            <ac:graphicFrameMk id="7" creationId="{EAF89739-1201-4F1F-9893-2ED95F31CEEC}"/>
+          </ac:graphicFrameMkLst>
+        </pc:graphicFrameChg>
+        <pc:graphicFrameChg chg="mod">
+          <ac:chgData name="Arunabh Ghosh" userId="7064b204c6fa9c53" providerId="LiveId" clId="{696CAAE6-89B2-4F79-B84A-2BD3E3A932D0}" dt="2018-11-04T07:00:07.778" v="2"/>
+          <ac:graphicFrameMkLst>
+            <pc:docMk/>
+            <pc:sldMk cId="3369458690" sldId="256"/>
+            <ac:graphicFrameMk id="9" creationId="{CA37A396-F7D7-4A77-BE60-738E02F81B9D}"/>
+          </ac:graphicFrameMkLst>
+        </pc:graphicFrameChg>
+        <pc:graphicFrameChg chg="mod">
+          <ac:chgData name="Arunabh Ghosh" userId="7064b204c6fa9c53" providerId="LiveId" clId="{696CAAE6-89B2-4F79-B84A-2BD3E3A932D0}" dt="2018-11-04T07:01:39.774" v="3"/>
+          <ac:graphicFrameMkLst>
+            <pc:docMk/>
+            <pc:sldMk cId="3369458690" sldId="256"/>
+            <ac:graphicFrameMk id="10" creationId="{AD6ECD56-FFC0-4ECB-BEB4-2CE6DD38D68A}"/>
+          </ac:graphicFrameMkLst>
+        </pc:graphicFrameChg>
+      </pc:sldChg>
+      <pc:sldChg chg="modSp">
+        <pc:chgData name="Arunabh Ghosh" userId="7064b204c6fa9c53" providerId="LiveId" clId="{696CAAE6-89B2-4F79-B84A-2BD3E3A932D0}" dt="2018-11-02T16:43:57.347" v="0" actId="1076"/>
+        <pc:sldMkLst>
+          <pc:docMk/>
+          <pc:sldMk cId="3783587632" sldId="257"/>
+        </pc:sldMkLst>
+        <pc:graphicFrameChg chg="mod">
+          <ac:chgData name="Arunabh Ghosh" userId="7064b204c6fa9c53" providerId="LiveId" clId="{696CAAE6-89B2-4F79-B84A-2BD3E3A932D0}" dt="2018-11-02T16:43:57.347" v="0" actId="1076"/>
+          <ac:graphicFrameMkLst>
+            <pc:docMk/>
+            <pc:sldMk cId="3783587632" sldId="257"/>
+            <ac:graphicFrameMk id="12" creationId="{59CC8C83-1036-4D1D-BC21-035D442204DC}"/>
+          </ac:graphicFrameMkLst>
+        </pc:graphicFrameChg>
+      </pc:sldChg>
+    </pc:docChg>
+  </pc:docChgLst>
+  <pc:docChgLst>
+    <pc:chgData name="Arunabh Ghosh" userId="7064b204c6fa9c53" providerId="LiveId" clId="{5628BED9-310B-4461-ABA8-0103FBB83016}"/>
+    <pc:docChg chg="modSld">
+      <pc:chgData name="Arunabh Ghosh" userId="7064b204c6fa9c53" providerId="LiveId" clId="{5628BED9-310B-4461-ABA8-0103FBB83016}" dt="2018-12-19T17:01:26.042" v="3"/>
+      <pc:docMkLst>
+        <pc:docMk/>
+      </pc:docMkLst>
+      <pc:sldChg chg="modSp">
+        <pc:chgData name="Arunabh Ghosh" userId="7064b204c6fa9c53" providerId="LiveId" clId="{5628BED9-310B-4461-ABA8-0103FBB83016}" dt="2018-12-19T12:10:33.269" v="2"/>
+        <pc:sldMkLst>
+          <pc:docMk/>
+          <pc:sldMk cId="3369458690" sldId="256"/>
+        </pc:sldMkLst>
+        <pc:graphicFrameChg chg="mod">
+          <ac:chgData name="Arunabh Ghosh" userId="7064b204c6fa9c53" providerId="LiveId" clId="{5628BED9-310B-4461-ABA8-0103FBB83016}" dt="2018-12-19T12:10:33.269" v="2"/>
+          <ac:graphicFrameMkLst>
+            <pc:docMk/>
+            <pc:sldMk cId="3369458690" sldId="256"/>
+            <ac:graphicFrameMk id="8" creationId="{4B322721-BCB5-48AA-A3C9-28A27E19942F}"/>
+          </ac:graphicFrameMkLst>
+        </pc:graphicFrameChg>
+      </pc:sldChg>
+      <pc:sldChg chg="modSp">
+        <pc:chgData name="Arunabh Ghosh" userId="7064b204c6fa9c53" providerId="LiveId" clId="{5628BED9-310B-4461-ABA8-0103FBB83016}" dt="2018-12-19T17:01:26.042" v="3"/>
+        <pc:sldMkLst>
+          <pc:docMk/>
+          <pc:sldMk cId="3783587632" sldId="257"/>
+        </pc:sldMkLst>
+        <pc:graphicFrameChg chg="mod">
+          <ac:chgData name="Arunabh Ghosh" userId="7064b204c6fa9c53" providerId="LiveId" clId="{5628BED9-310B-4461-ABA8-0103FBB83016}" dt="2018-12-19T17:01:26.042" v="3"/>
+          <ac:graphicFrameMkLst>
+            <pc:docMk/>
+            <pc:sldMk cId="3783587632" sldId="257"/>
+            <ac:graphicFrameMk id="12" creationId="{59CC8C83-1036-4D1D-BC21-035D442204DC}"/>
+          </ac:graphicFrameMkLst>
+        </pc:graphicFrameChg>
+      </pc:sldChg>
+    </pc:docChg>
+  </pc:docChgLst>
+</pc:chgInfo>
 </file>
 
 <file path=ppt/slideLayouts/slideLayout1.xml><?xml version="1.0" encoding="utf-8"?>
@@ -258,7 +378,7 @@
           <a:p>
             <a:fld id="{DDD66B41-0AE4-4CF5-A396-B5376F7C8073}" type="datetimeFigureOut">
               <a:rPr lang="en-IN" smtClean="0"/>
-              <a:t>26-10-2018</a:t>
+              <a:t>19-12-2018</a:t>
             </a:fld>
             <a:endParaRPr lang="en-IN"/>
           </a:p>
@@ -458,7 +578,7 @@
           <a:p>
             <a:fld id="{DDD66B41-0AE4-4CF5-A396-B5376F7C8073}" type="datetimeFigureOut">
               <a:rPr lang="en-IN" smtClean="0"/>
-              <a:t>26-10-2018</a:t>
+              <a:t>19-12-2018</a:t>
             </a:fld>
             <a:endParaRPr lang="en-IN"/>
           </a:p>
@@ -668,7 +788,7 @@
           <a:p>
             <a:fld id="{DDD66B41-0AE4-4CF5-A396-B5376F7C8073}" type="datetimeFigureOut">
               <a:rPr lang="en-IN" smtClean="0"/>
-              <a:t>26-10-2018</a:t>
+              <a:t>19-12-2018</a:t>
             </a:fld>
             <a:endParaRPr lang="en-IN"/>
           </a:p>
@@ -868,7 +988,7 @@
           <a:p>
             <a:fld id="{DDD66B41-0AE4-4CF5-A396-B5376F7C8073}" type="datetimeFigureOut">
               <a:rPr lang="en-IN" smtClean="0"/>
-              <a:t>26-10-2018</a:t>
+              <a:t>19-12-2018</a:t>
             </a:fld>
             <a:endParaRPr lang="en-IN"/>
           </a:p>
@@ -1144,7 +1264,7 @@
           <a:p>
             <a:fld id="{DDD66B41-0AE4-4CF5-A396-B5376F7C8073}" type="datetimeFigureOut">
               <a:rPr lang="en-IN" smtClean="0"/>
-              <a:t>26-10-2018</a:t>
+              <a:t>19-12-2018</a:t>
             </a:fld>
             <a:endParaRPr lang="en-IN"/>
           </a:p>
@@ -1412,7 +1532,7 @@
           <a:p>
             <a:fld id="{DDD66B41-0AE4-4CF5-A396-B5376F7C8073}" type="datetimeFigureOut">
               <a:rPr lang="en-IN" smtClean="0"/>
-              <a:t>26-10-2018</a:t>
+              <a:t>19-12-2018</a:t>
             </a:fld>
             <a:endParaRPr lang="en-IN"/>
           </a:p>
@@ -1827,7 +1947,7 @@
           <a:p>
             <a:fld id="{DDD66B41-0AE4-4CF5-A396-B5376F7C8073}" type="datetimeFigureOut">
               <a:rPr lang="en-IN" smtClean="0"/>
-              <a:t>26-10-2018</a:t>
+              <a:t>19-12-2018</a:t>
             </a:fld>
             <a:endParaRPr lang="en-IN"/>
           </a:p>
@@ -1969,7 +2089,7 @@
           <a:p>
             <a:fld id="{DDD66B41-0AE4-4CF5-A396-B5376F7C8073}" type="datetimeFigureOut">
               <a:rPr lang="en-IN" smtClean="0"/>
-              <a:t>26-10-2018</a:t>
+              <a:t>19-12-2018</a:t>
             </a:fld>
             <a:endParaRPr lang="en-IN"/>
           </a:p>
@@ -2082,7 +2202,7 @@
           <a:p>
             <a:fld id="{DDD66B41-0AE4-4CF5-A396-B5376F7C8073}" type="datetimeFigureOut">
               <a:rPr lang="en-IN" smtClean="0"/>
-              <a:t>26-10-2018</a:t>
+              <a:t>19-12-2018</a:t>
             </a:fld>
             <a:endParaRPr lang="en-IN"/>
           </a:p>
@@ -2395,7 +2515,7 @@
           <a:p>
             <a:fld id="{DDD66B41-0AE4-4CF5-A396-B5376F7C8073}" type="datetimeFigureOut">
               <a:rPr lang="en-IN" smtClean="0"/>
-              <a:t>26-10-2018</a:t>
+              <a:t>19-12-2018</a:t>
             </a:fld>
             <a:endParaRPr lang="en-IN"/>
           </a:p>
@@ -2684,7 +2804,7 @@
           <a:p>
             <a:fld id="{DDD66B41-0AE4-4CF5-A396-B5376F7C8073}" type="datetimeFigureOut">
               <a:rPr lang="en-IN" smtClean="0"/>
-              <a:t>26-10-2018</a:t>
+              <a:t>19-12-2018</a:t>
             </a:fld>
             <a:endParaRPr lang="en-IN"/>
           </a:p>
@@ -2927,7 +3047,7 @@
           <a:p>
             <a:fld id="{DDD66B41-0AE4-4CF5-A396-B5376F7C8073}" type="datetimeFigureOut">
               <a:rPr lang="en-IN" smtClean="0"/>
-              <a:t>26-10-2018</a:t>
+              <a:t>19-12-2018</a:t>
             </a:fld>
             <a:endParaRPr lang="en-IN"/>
           </a:p>
@@ -3442,7 +3562,7 @@
           <a:graphicData uri="http://schemas.openxmlformats.org/presentationml/2006/ole">
             <mc:AlternateContent xmlns:mc="http://schemas.openxmlformats.org/markup-compatibility/2006">
               <mc:Choice xmlns:v="urn:schemas-microsoft-com:vml" Requires="v">
-                <p:oleObj spid="_x0000_s1046" name="Packager Shell Object" showAsIcon="1" r:id="rId3" imgW="1118160" imgH="478800" progId="Package">
+                <p:oleObj spid="_x0000_s1026" name="Packager Shell Object" showAsIcon="1" r:id="rId3" imgW="1118160" imgH="478800" progId="Package">
                   <p:embed/>
                 </p:oleObj>
               </mc:Choice>
@@ -3451,7 +3571,13 @@
                   <p:embed/>
                   <p:pic>
                     <p:nvPicPr>
-                      <p:cNvPr id="0" name=""/>
+                      <p:cNvPr id="2" name="Object 1">
+                        <a:extLst>
+                          <a:ext uri="{FF2B5EF4-FFF2-40B4-BE49-F238E27FC236}">
+                            <a16:creationId xmlns:a16="http://schemas.microsoft.com/office/drawing/2014/main" id="{A67910BD-5C4B-423E-826E-6D5D17A17EDD}"/>
+                          </a:ext>
+                        </a:extLst>
+                      </p:cNvPr>
                       <p:cNvPicPr/>
                       <p:nvPr/>
                     </p:nvPicPr>
@@ -3505,7 +3631,7 @@
           <a:graphicData uri="http://schemas.openxmlformats.org/presentationml/2006/ole">
             <mc:AlternateContent xmlns:mc="http://schemas.openxmlformats.org/markup-compatibility/2006">
               <mc:Choice xmlns:v="urn:schemas-microsoft-com:vml" Requires="v">
-                <p:oleObj spid="_x0000_s1047" name="Packager Shell Object" showAsIcon="1" r:id="rId5" imgW="1193400" imgH="478800" progId="Package">
+                <p:oleObj spid="_x0000_s1027" name="Packager Shell Object" showAsIcon="1" r:id="rId5" imgW="1193400" imgH="478800" progId="Package">
                   <p:embed/>
                 </p:oleObj>
               </mc:Choice>
@@ -3514,7 +3640,13 @@
                   <p:embed/>
                   <p:pic>
                     <p:nvPicPr>
-                      <p:cNvPr id="0" name=""/>
+                      <p:cNvPr id="3" name="Object 2">
+                        <a:extLst>
+                          <a:ext uri="{FF2B5EF4-FFF2-40B4-BE49-F238E27FC236}">
+                            <a16:creationId xmlns:a16="http://schemas.microsoft.com/office/drawing/2014/main" id="{3537F34A-938E-4E8A-9BAC-B3F18A4A083C}"/>
+                          </a:ext>
+                        </a:extLst>
+                      </p:cNvPr>
                       <p:cNvPicPr/>
                       <p:nvPr/>
                     </p:nvPicPr>
@@ -3555,7 +3687,7 @@
           <p:nvPr>
             <p:extLst>
               <p:ext uri="{D42A27DB-BD31-4B8C-83A1-F6EECF244321}">
-                <p14:modId xmlns:p14="http://schemas.microsoft.com/office/powerpoint/2010/main" val="437076900"/>
+                <p14:modId xmlns:p14="http://schemas.microsoft.com/office/powerpoint/2010/main" val="1755002635"/>
               </p:ext>
             </p:extLst>
           </p:nvPr>
@@ -3568,7 +3700,7 @@
           <a:graphicData uri="http://schemas.openxmlformats.org/presentationml/2006/ole">
             <mc:AlternateContent xmlns:mc="http://schemas.openxmlformats.org/markup-compatibility/2006">
               <mc:Choice xmlns:v="urn:schemas-microsoft-com:vml" Requires="v">
-                <p:oleObj spid="_x0000_s1048" name="Packager Shell Object" showAsIcon="1" r:id="rId7" imgW="1251360" imgH="478800" progId="Package">
+                <p:oleObj spid="_x0000_s1028" name="Packager Shell Object" showAsIcon="1" r:id="rId7" imgW="1251360" imgH="478800" progId="Package">
                   <p:embed/>
                 </p:oleObj>
               </mc:Choice>
@@ -3577,7 +3709,13 @@
                   <p:embed/>
                   <p:pic>
                     <p:nvPicPr>
-                      <p:cNvPr id="0" name=""/>
+                      <p:cNvPr id="11" name="Object 10">
+                        <a:extLst>
+                          <a:ext uri="{FF2B5EF4-FFF2-40B4-BE49-F238E27FC236}">
+                            <a16:creationId xmlns:a16="http://schemas.microsoft.com/office/drawing/2014/main" id="{30DFCA22-CA79-4A19-B345-8325502A466D}"/>
+                          </a:ext>
+                        </a:extLst>
+                      </p:cNvPr>
                       <p:cNvPicPr/>
                       <p:nvPr/>
                     </p:nvPicPr>
@@ -3618,20 +3756,20 @@
           <p:nvPr>
             <p:extLst>
               <p:ext uri="{D42A27DB-BD31-4B8C-83A1-F6EECF244321}">
-                <p14:modId xmlns:p14="http://schemas.microsoft.com/office/powerpoint/2010/main" val="1793021758"/>
+                <p14:modId xmlns:p14="http://schemas.microsoft.com/office/powerpoint/2010/main" val="2347323774"/>
               </p:ext>
             </p:extLst>
           </p:nvPr>
         </p:nvGraphicFramePr>
         <p:xfrm>
-          <a:off x="920750" y="4860925"/>
+          <a:off x="920750" y="5257609"/>
           <a:ext cx="1734090" cy="763404"/>
         </p:xfrm>
         <a:graphic>
           <a:graphicData uri="http://schemas.openxmlformats.org/presentationml/2006/ole">
             <mc:AlternateContent xmlns:mc="http://schemas.openxmlformats.org/markup-compatibility/2006">
               <mc:Choice xmlns:v="urn:schemas-microsoft-com:vml" Requires="v">
-                <p:oleObj spid="_x0000_s1049" name="Packager Shell Object" showAsIcon="1" r:id="rId9" imgW="1089360" imgH="478800" progId="Package">
+                <p:oleObj spid="_x0000_s1029" name="Packager Shell Object" showAsIcon="1" r:id="rId9" imgW="1089360" imgH="478800" progId="Package">
                   <p:embed/>
                 </p:oleObj>
               </mc:Choice>
@@ -3640,7 +3778,13 @@
                   <p:embed/>
                   <p:pic>
                     <p:nvPicPr>
-                      <p:cNvPr id="0" name=""/>
+                      <p:cNvPr id="12" name="Object 11">
+                        <a:extLst>
+                          <a:ext uri="{FF2B5EF4-FFF2-40B4-BE49-F238E27FC236}">
+                            <a16:creationId xmlns:a16="http://schemas.microsoft.com/office/drawing/2014/main" id="{59CC8C83-1036-4D1D-BC21-035D442204DC}"/>
+                          </a:ext>
+                        </a:extLst>
+                      </p:cNvPr>
                       <p:cNvPicPr/>
                       <p:nvPr/>
                     </p:nvPicPr>
@@ -3652,7 +3796,7 @@
                     </p:blipFill>
                     <p:spPr>
                       <a:xfrm>
-                        <a:off x="920750" y="4860925"/>
+                        <a:off x="920750" y="5257609"/>
                         <a:ext cx="1734090" cy="763404"/>
                       </a:xfrm>
                       <a:prstGeom prst="rect">
@@ -3694,7 +3838,7 @@
           <a:graphicData uri="http://schemas.openxmlformats.org/presentationml/2006/ole">
             <mc:AlternateContent xmlns:mc="http://schemas.openxmlformats.org/markup-compatibility/2006">
               <mc:Choice xmlns:v="urn:schemas-microsoft-com:vml" Requires="v">
-                <p:oleObj spid="_x0000_s1050" name="Packager Shell Object" showAsIcon="1" r:id="rId11" imgW="1118160" imgH="478800" progId="Package">
+                <p:oleObj spid="_x0000_s1030" name="Packager Shell Object" showAsIcon="1" r:id="rId11" imgW="1118160" imgH="478800" progId="Package">
                   <p:embed/>
                 </p:oleObj>
               </mc:Choice>
@@ -3703,7 +3847,13 @@
                   <p:embed/>
                   <p:pic>
                     <p:nvPicPr>
-                      <p:cNvPr id="0" name=""/>
+                      <p:cNvPr id="13" name="Object 12">
+                        <a:extLst>
+                          <a:ext uri="{FF2B5EF4-FFF2-40B4-BE49-F238E27FC236}">
+                            <a16:creationId xmlns:a16="http://schemas.microsoft.com/office/drawing/2014/main" id="{F46776A3-3BBD-4BDD-AAE5-3794B6663A1D}"/>
+                          </a:ext>
+                        </a:extLst>
+                      </p:cNvPr>
                       <p:cNvPicPr/>
                       <p:nvPr/>
                     </p:nvPicPr>
@@ -3844,7 +3994,7 @@
           <p:nvPr>
             <p:extLst>
               <p:ext uri="{D42A27DB-BD31-4B8C-83A1-F6EECF244321}">
-                <p14:modId xmlns:p14="http://schemas.microsoft.com/office/powerpoint/2010/main" val="3766594015"/>
+                <p14:modId xmlns:p14="http://schemas.microsoft.com/office/powerpoint/2010/main" val="3941220232"/>
               </p:ext>
             </p:extLst>
           </p:nvPr>
@@ -3857,7 +4007,7 @@
           <a:graphicData uri="http://schemas.openxmlformats.org/presentationml/2006/ole">
             <mc:AlternateContent xmlns:mc="http://schemas.openxmlformats.org/markup-compatibility/2006">
               <mc:Choice xmlns:v="urn:schemas-microsoft-com:vml" Requires="v">
-                <p:oleObj spid="_x0000_s2065" name="Packager Shell Object" showAsIcon="1" r:id="rId3" imgW="1118160" imgH="478800" progId="Package">
+                <p:oleObj spid="_x0000_s2050" name="Packager Shell Object" showAsIcon="1" r:id="rId3" imgW="1118160" imgH="478800" progId="Package">
                   <p:embed/>
                 </p:oleObj>
               </mc:Choice>
@@ -3866,7 +4016,13 @@
                   <p:embed/>
                   <p:pic>
                     <p:nvPicPr>
-                      <p:cNvPr id="0" name=""/>
+                      <p:cNvPr id="6" name="Object 5">
+                        <a:extLst>
+                          <a:ext uri="{FF2B5EF4-FFF2-40B4-BE49-F238E27FC236}">
+                            <a16:creationId xmlns:a16="http://schemas.microsoft.com/office/drawing/2014/main" id="{0C1D2E1A-D501-415F-9E3C-44321F9C56D8}"/>
+                          </a:ext>
+                        </a:extLst>
+                      </p:cNvPr>
                       <p:cNvPicPr/>
                       <p:nvPr/>
                     </p:nvPicPr>
@@ -3907,7 +4063,7 @@
           <p:nvPr>
             <p:extLst>
               <p:ext uri="{D42A27DB-BD31-4B8C-83A1-F6EECF244321}">
-                <p14:modId xmlns:p14="http://schemas.microsoft.com/office/powerpoint/2010/main" val="796581151"/>
+                <p14:modId xmlns:p14="http://schemas.microsoft.com/office/powerpoint/2010/main" val="2214646970"/>
               </p:ext>
             </p:extLst>
           </p:nvPr>
@@ -3920,7 +4076,7 @@
           <a:graphicData uri="http://schemas.openxmlformats.org/presentationml/2006/ole">
             <mc:AlternateContent xmlns:mc="http://schemas.openxmlformats.org/markup-compatibility/2006">
               <mc:Choice xmlns:v="urn:schemas-microsoft-com:vml" Requires="v">
-                <p:oleObj spid="_x0000_s2066" name="Packager Shell Object" showAsIcon="1" r:id="rId5" imgW="1193400" imgH="478800" progId="Package">
+                <p:oleObj spid="_x0000_s2051" name="Packager Shell Object" showAsIcon="1" r:id="rId5" imgW="1193400" imgH="478800" progId="Package">
                   <p:embed/>
                 </p:oleObj>
               </mc:Choice>
@@ -3929,7 +4085,13 @@
                   <p:embed/>
                   <p:pic>
                     <p:nvPicPr>
-                      <p:cNvPr id="0" name=""/>
+                      <p:cNvPr id="7" name="Object 6">
+                        <a:extLst>
+                          <a:ext uri="{FF2B5EF4-FFF2-40B4-BE49-F238E27FC236}">
+                            <a16:creationId xmlns:a16="http://schemas.microsoft.com/office/drawing/2014/main" id="{EAF89739-1201-4F1F-9893-2ED95F31CEEC}"/>
+                          </a:ext>
+                        </a:extLst>
+                      </p:cNvPr>
                       <p:cNvPicPr/>
                       <p:nvPr/>
                     </p:nvPicPr>
@@ -3970,7 +4132,7 @@
           <p:nvPr>
             <p:extLst>
               <p:ext uri="{D42A27DB-BD31-4B8C-83A1-F6EECF244321}">
-                <p14:modId xmlns:p14="http://schemas.microsoft.com/office/powerpoint/2010/main" val="3975271898"/>
+                <p14:modId xmlns:p14="http://schemas.microsoft.com/office/powerpoint/2010/main" val="671494081"/>
               </p:ext>
             </p:extLst>
           </p:nvPr>
@@ -3983,7 +4145,7 @@
           <a:graphicData uri="http://schemas.openxmlformats.org/presentationml/2006/ole">
             <mc:AlternateContent xmlns:mc="http://schemas.openxmlformats.org/markup-compatibility/2006">
               <mc:Choice xmlns:v="urn:schemas-microsoft-com:vml" Requires="v">
-                <p:oleObj spid="_x0000_s2067" name="Packager Shell Object" showAsIcon="1" r:id="rId7" imgW="1251360" imgH="478800" progId="Package">
+                <p:oleObj spid="_x0000_s2052" name="Packager Shell Object" showAsIcon="1" r:id="rId7" imgW="1251360" imgH="478800" progId="Package">
                   <p:embed/>
                 </p:oleObj>
               </mc:Choice>
@@ -3992,7 +4154,13 @@
                   <p:embed/>
                   <p:pic>
                     <p:nvPicPr>
-                      <p:cNvPr id="0" name=""/>
+                      <p:cNvPr id="8" name="Object 7">
+                        <a:extLst>
+                          <a:ext uri="{FF2B5EF4-FFF2-40B4-BE49-F238E27FC236}">
+                            <a16:creationId xmlns:a16="http://schemas.microsoft.com/office/drawing/2014/main" id="{4B322721-BCB5-48AA-A3C9-28A27E19942F}"/>
+                          </a:ext>
+                        </a:extLst>
+                      </p:cNvPr>
                       <p:cNvPicPr/>
                       <p:nvPr/>
                     </p:nvPicPr>
@@ -4033,7 +4201,7 @@
           <p:nvPr>
             <p:extLst>
               <p:ext uri="{D42A27DB-BD31-4B8C-83A1-F6EECF244321}">
-                <p14:modId xmlns:p14="http://schemas.microsoft.com/office/powerpoint/2010/main" val="3652402199"/>
+                <p14:modId xmlns:p14="http://schemas.microsoft.com/office/powerpoint/2010/main" val="1751871558"/>
               </p:ext>
             </p:extLst>
           </p:nvPr>
@@ -4046,7 +4214,7 @@
           <a:graphicData uri="http://schemas.openxmlformats.org/presentationml/2006/ole">
             <mc:AlternateContent xmlns:mc="http://schemas.openxmlformats.org/markup-compatibility/2006">
               <mc:Choice xmlns:v="urn:schemas-microsoft-com:vml" Requires="v">
-                <p:oleObj spid="_x0000_s2068" name="Packager Shell Object" showAsIcon="1" r:id="rId9" imgW="1089360" imgH="478800" progId="Package">
+                <p:oleObj spid="_x0000_s2053" name="Packager Shell Object" showAsIcon="1" r:id="rId9" imgW="1089360" imgH="478800" progId="Package">
                   <p:embed/>
                 </p:oleObj>
               </mc:Choice>
@@ -4055,7 +4223,13 @@
                   <p:embed/>
                   <p:pic>
                     <p:nvPicPr>
-                      <p:cNvPr id="0" name=""/>
+                      <p:cNvPr id="9" name="Object 8">
+                        <a:extLst>
+                          <a:ext uri="{FF2B5EF4-FFF2-40B4-BE49-F238E27FC236}">
+                            <a16:creationId xmlns:a16="http://schemas.microsoft.com/office/drawing/2014/main" id="{CA37A396-F7D7-4A77-BE60-738E02F81B9D}"/>
+                          </a:ext>
+                        </a:extLst>
+                      </p:cNvPr>
                       <p:cNvPicPr/>
                       <p:nvPr/>
                     </p:nvPicPr>
@@ -4096,7 +4270,7 @@
           <p:nvPr>
             <p:extLst>
               <p:ext uri="{D42A27DB-BD31-4B8C-83A1-F6EECF244321}">
-                <p14:modId xmlns:p14="http://schemas.microsoft.com/office/powerpoint/2010/main" val="4182628762"/>
+                <p14:modId xmlns:p14="http://schemas.microsoft.com/office/powerpoint/2010/main" val="2769220582"/>
               </p:ext>
             </p:extLst>
           </p:nvPr>
@@ -4109,7 +4283,7 @@
           <a:graphicData uri="http://schemas.openxmlformats.org/presentationml/2006/ole">
             <mc:AlternateContent xmlns:mc="http://schemas.openxmlformats.org/markup-compatibility/2006">
               <mc:Choice xmlns:v="urn:schemas-microsoft-com:vml" Requires="v">
-                <p:oleObj spid="_x0000_s2069" name="Packager Shell Object" showAsIcon="1" r:id="rId11" imgW="1118160" imgH="478800" progId="Package">
+                <p:oleObj spid="_x0000_s2054" name="Packager Shell Object" showAsIcon="1" r:id="rId11" imgW="1118160" imgH="478800" progId="Package">
                   <p:embed/>
                 </p:oleObj>
               </mc:Choice>
@@ -4118,7 +4292,13 @@
                   <p:embed/>
                   <p:pic>
                     <p:nvPicPr>
-                      <p:cNvPr id="0" name=""/>
+                      <p:cNvPr id="10" name="Object 9">
+                        <a:extLst>
+                          <a:ext uri="{FF2B5EF4-FFF2-40B4-BE49-F238E27FC236}">
+                            <a16:creationId xmlns:a16="http://schemas.microsoft.com/office/drawing/2014/main" id="{AD6ECD56-FFC0-4ECB-BEB4-2CE6DD38D68A}"/>
+                          </a:ext>
+                        </a:extLst>
+                      </p:cNvPr>
                       <p:cNvPicPr/>
                       <p:nvPr/>
                     </p:nvPicPr>
@@ -4272,7 +4452,7 @@
           <a:graphicData uri="http://schemas.openxmlformats.org/presentationml/2006/ole">
             <mc:AlternateContent xmlns:mc="http://schemas.openxmlformats.org/markup-compatibility/2006">
               <mc:Choice xmlns:v="urn:schemas-microsoft-com:vml" Requires="v">
-                <p:oleObj spid="_x0000_s3089" name="Packager Shell Object" showAsIcon="1" r:id="rId3" imgW="1193400" imgH="478800" progId="Package">
+                <p:oleObj spid="_x0000_s3074" name="Packager Shell Object" showAsIcon="1" r:id="rId3" imgW="1193400" imgH="478800" progId="Package">
                   <p:embed/>
                 </p:oleObj>
               </mc:Choice>
@@ -4281,7 +4461,13 @@
                   <p:embed/>
                   <p:pic>
                     <p:nvPicPr>
-                      <p:cNvPr id="0" name=""/>
+                      <p:cNvPr id="6" name="Object 5">
+                        <a:extLst>
+                          <a:ext uri="{FF2B5EF4-FFF2-40B4-BE49-F238E27FC236}">
+                            <a16:creationId xmlns:a16="http://schemas.microsoft.com/office/drawing/2014/main" id="{F7AA9EFB-B787-45AD-A8E4-407A1A469A8D}"/>
+                          </a:ext>
+                        </a:extLst>
+                      </p:cNvPr>
                       <p:cNvPicPr/>
                       <p:nvPr/>
                     </p:nvPicPr>
@@ -4322,7 +4508,7 @@
           <p:nvPr>
             <p:extLst>
               <p:ext uri="{D42A27DB-BD31-4B8C-83A1-F6EECF244321}">
-                <p14:modId xmlns:p14="http://schemas.microsoft.com/office/powerpoint/2010/main" val="2495847617"/>
+                <p14:modId xmlns:p14="http://schemas.microsoft.com/office/powerpoint/2010/main" val="2356085858"/>
               </p:ext>
             </p:extLst>
           </p:nvPr>
@@ -4335,7 +4521,7 @@
           <a:graphicData uri="http://schemas.openxmlformats.org/presentationml/2006/ole">
             <mc:AlternateContent xmlns:mc="http://schemas.openxmlformats.org/markup-compatibility/2006">
               <mc:Choice xmlns:v="urn:schemas-microsoft-com:vml" Requires="v">
-                <p:oleObj spid="_x0000_s3090" name="Packager Shell Object" showAsIcon="1" r:id="rId5" imgW="1251360" imgH="478800" progId="Package">
+                <p:oleObj spid="_x0000_s3075" name="Packager Shell Object" showAsIcon="1" r:id="rId5" imgW="1251360" imgH="478800" progId="Package">
                   <p:embed/>
                 </p:oleObj>
               </mc:Choice>
@@ -4344,7 +4530,13 @@
                   <p:embed/>
                   <p:pic>
                     <p:nvPicPr>
-                      <p:cNvPr id="0" name=""/>
+                      <p:cNvPr id="7" name="Object 6">
+                        <a:extLst>
+                          <a:ext uri="{FF2B5EF4-FFF2-40B4-BE49-F238E27FC236}">
+                            <a16:creationId xmlns:a16="http://schemas.microsoft.com/office/drawing/2014/main" id="{C23AE204-6A5B-41DA-B31E-C9B75EAA87BE}"/>
+                          </a:ext>
+                        </a:extLst>
+                      </p:cNvPr>
                       <p:cNvPicPr/>
                       <p:nvPr/>
                     </p:nvPicPr>
@@ -4385,7 +4577,7 @@
           <p:nvPr>
             <p:extLst>
               <p:ext uri="{D42A27DB-BD31-4B8C-83A1-F6EECF244321}">
-                <p14:modId xmlns:p14="http://schemas.microsoft.com/office/powerpoint/2010/main" val="4185759966"/>
+                <p14:modId xmlns:p14="http://schemas.microsoft.com/office/powerpoint/2010/main" val="545850010"/>
               </p:ext>
             </p:extLst>
           </p:nvPr>
@@ -4398,7 +4590,7 @@
           <a:graphicData uri="http://schemas.openxmlformats.org/presentationml/2006/ole">
             <mc:AlternateContent xmlns:mc="http://schemas.openxmlformats.org/markup-compatibility/2006">
               <mc:Choice xmlns:v="urn:schemas-microsoft-com:vml" Requires="v">
-                <p:oleObj spid="_x0000_s3091" name="Packager Shell Object" showAsIcon="1" r:id="rId7" imgW="1089360" imgH="478800" progId="Package">
+                <p:oleObj spid="_x0000_s3076" name="Packager Shell Object" showAsIcon="1" r:id="rId7" imgW="1089360" imgH="478800" progId="Package">
                   <p:embed/>
                 </p:oleObj>
               </mc:Choice>
@@ -4407,7 +4599,13 @@
                   <p:embed/>
                   <p:pic>
                     <p:nvPicPr>
-                      <p:cNvPr id="0" name=""/>
+                      <p:cNvPr id="8" name="Object 7">
+                        <a:extLst>
+                          <a:ext uri="{FF2B5EF4-FFF2-40B4-BE49-F238E27FC236}">
+                            <a16:creationId xmlns:a16="http://schemas.microsoft.com/office/drawing/2014/main" id="{5DBA6A47-A78E-469A-B82D-1FF899EAA97B}"/>
+                          </a:ext>
+                        </a:extLst>
+                      </p:cNvPr>
                       <p:cNvPicPr/>
                       <p:nvPr/>
                     </p:nvPicPr>
@@ -4461,7 +4659,7 @@
           <a:graphicData uri="http://schemas.openxmlformats.org/presentationml/2006/ole">
             <mc:AlternateContent xmlns:mc="http://schemas.openxmlformats.org/markup-compatibility/2006">
               <mc:Choice xmlns:v="urn:schemas-microsoft-com:vml" Requires="v">
-                <p:oleObj spid="_x0000_s3092" name="Packager Shell Object" showAsIcon="1" r:id="rId9" imgW="1118160" imgH="478800" progId="Package">
+                <p:oleObj spid="_x0000_s3077" name="Packager Shell Object" showAsIcon="1" r:id="rId9" imgW="1118160" imgH="478800" progId="Package">
                   <p:embed/>
                 </p:oleObj>
               </mc:Choice>
@@ -4470,7 +4668,13 @@
                   <p:embed/>
                   <p:pic>
                     <p:nvPicPr>
-                      <p:cNvPr id="0" name=""/>
+                      <p:cNvPr id="9" name="Object 8">
+                        <a:extLst>
+                          <a:ext uri="{FF2B5EF4-FFF2-40B4-BE49-F238E27FC236}">
+                            <a16:creationId xmlns:a16="http://schemas.microsoft.com/office/drawing/2014/main" id="{7029179B-5600-43BC-90C6-1E6355D343FD}"/>
+                          </a:ext>
+                        </a:extLst>
+                      </p:cNvPr>
                       <p:cNvPicPr/>
                       <p:nvPr/>
                     </p:nvPicPr>
@@ -4524,7 +4728,7 @@
           <a:graphicData uri="http://schemas.openxmlformats.org/presentationml/2006/ole">
             <mc:AlternateContent xmlns:mc="http://schemas.openxmlformats.org/markup-compatibility/2006">
               <mc:Choice xmlns:v="urn:schemas-microsoft-com:vml" Requires="v">
-                <p:oleObj spid="_x0000_s3093" name="Packager Shell Object" showAsIcon="1" r:id="rId11" imgW="1118160" imgH="478800" progId="Package">
+                <p:oleObj spid="_x0000_s3078" name="Packager Shell Object" showAsIcon="1" r:id="rId11" imgW="1118160" imgH="478800" progId="Package">
                   <p:embed/>
                 </p:oleObj>
               </mc:Choice>
@@ -4533,7 +4737,13 @@
                   <p:embed/>
                   <p:pic>
                     <p:nvPicPr>
-                      <p:cNvPr id="0" name=""/>
+                      <p:cNvPr id="10" name="Object 9">
+                        <a:extLst>
+                          <a:ext uri="{FF2B5EF4-FFF2-40B4-BE49-F238E27FC236}">
+                            <a16:creationId xmlns:a16="http://schemas.microsoft.com/office/drawing/2014/main" id="{3D29A265-C6F1-4E7B-BC53-E7AC88464261}"/>
+                          </a:ext>
+                        </a:extLst>
+                      </p:cNvPr>
                       <p:cNvPicPr/>
                       <p:nvPr/>
                     </p:nvPicPr>
